--- a/Documentation/Design/ControllerDesign.pptx
+++ b/Documentation/Design/ControllerDesign.pptx
@@ -36540,7 +36540,7 @@
         <p:spPr>
           <a:xfrm>
             <a:off x="0" y="0"/>
-            <a:ext cx="6806800" cy="646331"/>
+            <a:ext cx="6806800" cy="877163"/>
           </a:xfrm>
           <a:prstGeom prst="rect">
             <a:avLst/>
@@ -36561,17 +36561,42 @@
           <a:p>
             <a:r>
               <a:rPr lang="en-US" sz="1100" dirty="0" smtClean="0"/>
-              <a:t>For all states           enter/</a:t>
-            </a:r>
-            <a:r>
-              <a:rPr lang="en-US" sz="1100" dirty="0" err="1" smtClean="0"/>
-              <a:t>putSwitchState</a:t>
-            </a:r>
-            <a:r>
-              <a:rPr lang="en-US" dirty="0" smtClean="0"/>
+              <a:t>For all </a:t>
+            </a:r>
+            <a:r>
+              <a:rPr lang="en-US" sz="1100" smtClean="0"/>
+              <a:t>states           </a:t>
+            </a:r>
+            <a:r>
+              <a:rPr lang="en-US" sz="1100" smtClean="0"/>
+              <a:t>enter/putSwitchState</a:t>
+            </a:r>
+            <a:endParaRPr lang="en-US" sz="1100" smtClean="0"/>
+          </a:p>
+          <a:p>
+            <a:r>
+              <a:rPr lang="en-US" sz="1100" smtClean="0"/>
+              <a:t>If switch Closed/Begin Close, then close swithch is a nop.</a:t>
+            </a:r>
+          </a:p>
+          <a:p>
+            <a:r>
+              <a:rPr lang="en-US" sz="1100" smtClean="0"/>
+              <a:t>If switch Thrown/Begin Throw, then throw swithch is a </a:t>
+            </a:r>
+            <a:r>
+              <a:rPr lang="en-US" sz="1100" smtClean="0"/>
+              <a:t>nop</a:t>
+            </a:r>
+            <a:r>
+              <a:rPr lang="en-US" sz="1100" smtClean="0"/>
+              <a:t>.</a:t>
+            </a:r>
+            <a:r>
+              <a:rPr lang="en-US" sz="1100" smtClean="0"/>
               <a:t> </a:t>
             </a:r>
-            <a:endParaRPr lang="en-US" dirty="0"/>
+            <a:endParaRPr lang="en-US" sz="1100" dirty="0"/>
           </a:p>
         </p:txBody>
       </p:sp>
@@ -37670,7 +37695,7 @@
         <p:spPr>
           <a:xfrm>
             <a:off x="0" y="0"/>
-            <a:ext cx="6163097" cy="646331"/>
+            <a:ext cx="6110199" cy="877163"/>
           </a:xfrm>
           <a:prstGeom prst="rect">
             <a:avLst/>
@@ -37691,17 +37716,77 @@
           <a:p>
             <a:r>
               <a:rPr lang="en-US" sz="1100" dirty="0" smtClean="0"/>
-              <a:t>For all states           enter/</a:t>
-            </a:r>
-            <a:r>
-              <a:rPr lang="en-US" sz="1100" dirty="0" err="1" smtClean="0"/>
-              <a:t>putSwitchState</a:t>
-            </a:r>
-            <a:r>
-              <a:rPr lang="en-US" dirty="0" smtClean="0"/>
-              <a:t> </a:t>
-            </a:r>
-            <a:endParaRPr lang="en-US" dirty="0"/>
+              <a:t>For all </a:t>
+            </a:r>
+            <a:r>
+              <a:rPr lang="en-US" sz="1100" smtClean="0"/>
+              <a:t>states           </a:t>
+            </a:r>
+            <a:r>
+              <a:rPr lang="en-US" sz="1100" smtClean="0"/>
+              <a:t>enter/putSwitchState</a:t>
+            </a:r>
+          </a:p>
+          <a:p>
+            <a:r>
+              <a:rPr lang="en-US" sz="1100" smtClean="0"/>
+              <a:t>If </a:t>
+            </a:r>
+            <a:r>
+              <a:rPr lang="en-US" sz="1100" smtClean="0"/>
+              <a:t>switch </a:t>
+            </a:r>
+            <a:r>
+              <a:rPr lang="en-US" sz="1100" smtClean="0"/>
+              <a:t>Closed/Begin Close, </a:t>
+            </a:r>
+            <a:r>
+              <a:rPr lang="en-US" sz="1100" smtClean="0"/>
+              <a:t>then close swithch is </a:t>
+            </a:r>
+            <a:r>
+              <a:rPr lang="en-US" sz="1100" smtClean="0"/>
+              <a:t>a </a:t>
+            </a:r>
+            <a:r>
+              <a:rPr lang="en-US" sz="1100" smtClean="0"/>
+              <a:t>nop.</a:t>
+            </a:r>
+          </a:p>
+          <a:p>
+            <a:r>
+              <a:rPr lang="en-US" sz="1100" smtClean="0"/>
+              <a:t>If </a:t>
+            </a:r>
+            <a:r>
+              <a:rPr lang="en-US" sz="1100" smtClean="0"/>
+              <a:t>switch </a:t>
+            </a:r>
+            <a:r>
+              <a:rPr lang="en-US" sz="1100" smtClean="0"/>
+              <a:t>Thrown/Begin Throw, </a:t>
+            </a:r>
+            <a:r>
+              <a:rPr lang="en-US" sz="1100" smtClean="0"/>
+              <a:t>then </a:t>
+            </a:r>
+            <a:r>
+              <a:rPr lang="en-US" sz="1100" smtClean="0"/>
+              <a:t>throw swithch </a:t>
+            </a:r>
+            <a:r>
+              <a:rPr lang="en-US" sz="1100" smtClean="0"/>
+              <a:t>is a </a:t>
+            </a:r>
+            <a:r>
+              <a:rPr lang="en-US" sz="1100" smtClean="0"/>
+              <a:t>nop</a:t>
+            </a:r>
+            <a:r>
+              <a:rPr lang="en-US" sz="1100" smtClean="0"/>
+              <a:t>.</a:t>
+            </a:r>
+            <a:endParaRPr lang="en-US" sz="1100" smtClean="0"/>
           </a:p>
         </p:txBody>
       </p:sp>
@@ -37761,8 +37846,8 @@
         </p:nvSpPr>
         <p:spPr>
           <a:xfrm>
-            <a:off x="3779637" y="5313145"/>
-            <a:ext cx="1777999" cy="567891"/>
+            <a:off x="3779637" y="5313146"/>
+            <a:ext cx="1777999" cy="677752"/>
           </a:xfrm>
           <a:prstGeom prst="roundRect">
             <a:avLst/>
@@ -37803,7 +37888,15 @@
             <a:pPr algn="ctr"/>
             <a:r>
               <a:rPr lang="en-US" sz="1100" dirty="0" smtClean="0"/>
-              <a:t>send throw message</a:t>
+              <a:t>send </a:t>
+            </a:r>
+            <a:r>
+              <a:rPr lang="en-US" sz="1100" smtClean="0"/>
+              <a:t>throw </a:t>
+            </a:r>
+            <a:r>
+              <a:rPr lang="en-US" sz="1100" smtClean="0"/>
+              <a:t>message</a:t>
             </a:r>
           </a:p>
         </p:txBody>
@@ -37868,7 +37961,7 @@
         <p:spPr>
           <a:xfrm flipV="1">
             <a:off x="5557636" y="3496733"/>
-            <a:ext cx="1605164" cy="2100358"/>
+            <a:ext cx="1605164" cy="2155289"/>
           </a:xfrm>
           <a:prstGeom prst="straightConnector1">
             <a:avLst/>
@@ -37902,9 +37995,9 @@
           <p:nvPr/>
         </p:nvCxnSpPr>
         <p:spPr>
-          <a:xfrm rot="10800000" flipV="1">
-            <a:off x="2311400" y="1397045"/>
-            <a:ext cx="1481694" cy="1650956"/>
+          <a:xfrm flipH="1">
+            <a:off x="2311400" y="1343718"/>
+            <a:ext cx="1481694" cy="1704283"/>
           </a:xfrm>
           <a:prstGeom prst="straightConnector1">
             <a:avLst/>
@@ -38151,8 +38244,8 @@
         </p:nvSpPr>
         <p:spPr>
           <a:xfrm>
-            <a:off x="3793094" y="1126156"/>
-            <a:ext cx="1777999" cy="541777"/>
+            <a:off x="3793094" y="1019503"/>
+            <a:ext cx="1777999" cy="648430"/>
           </a:xfrm>
           <a:prstGeom prst="roundRect">
             <a:avLst/>
@@ -38193,7 +38286,15 @@
             <a:pPr algn="ctr"/>
             <a:r>
               <a:rPr lang="en-US" sz="1100" dirty="0" smtClean="0"/>
-              <a:t> send close message</a:t>
+              <a:t> send </a:t>
+            </a:r>
+            <a:r>
+              <a:rPr lang="en-US" sz="1100" smtClean="0"/>
+              <a:t>close </a:t>
+            </a:r>
+            <a:r>
+              <a:rPr lang="en-US" sz="1100" smtClean="0"/>
+              <a:t>message</a:t>
             </a:r>
           </a:p>
         </p:txBody>
@@ -38458,9 +38559,9 @@
           <p:nvPr/>
         </p:nvCxnSpPr>
         <p:spPr>
-          <a:xfrm rot="16200000" flipH="1">
-            <a:off x="2581665" y="4399119"/>
-            <a:ext cx="974302" cy="1421641"/>
+          <a:xfrm>
+            <a:off x="2357996" y="4622789"/>
+            <a:ext cx="1421641" cy="1029233"/>
           </a:xfrm>
           <a:prstGeom prst="straightConnector1">
             <a:avLst/>
@@ -38596,9 +38697,9 @@
           <p:nvPr/>
         </p:nvCxnSpPr>
         <p:spPr>
-          <a:xfrm rot="16200000" flipV="1">
-            <a:off x="5979634" y="988505"/>
-            <a:ext cx="482555" cy="1299636"/>
+          <a:xfrm flipH="1" flipV="1">
+            <a:off x="5571093" y="1343718"/>
+            <a:ext cx="1299636" cy="535882"/>
           </a:xfrm>
           <a:prstGeom prst="straightConnector1">
             <a:avLst/>

--- a/Documentation/Design/ControllerDesign.pptx
+++ b/Documentation/Design/ControllerDesign.pptx
@@ -243,7 +243,7 @@
             <a:fld id="{E7514D72-1C5C-40A3-B326-328CE3CD8924}" type="datetimeFigureOut">
               <a:rPr lang="en-US" smtClean="0"/>
               <a:pPr/>
-              <a:t>7/5/2012</a:t>
+              <a:t>7/22/2012</a:t>
             </a:fld>
             <a:endParaRPr lang="en-US"/>
           </a:p>
@@ -2985,7 +2985,7 @@
             <a:fld id="{2978B3E9-F106-4B3B-AF9C-5D459394DC37}" type="datetimeFigureOut">
               <a:rPr lang="en-US" smtClean="0"/>
               <a:pPr/>
-              <a:t>7/5/2012</a:t>
+              <a:t>7/22/2012</a:t>
             </a:fld>
             <a:endParaRPr lang="en-US"/>
           </a:p>
@@ -3152,7 +3152,7 @@
             <a:fld id="{2978B3E9-F106-4B3B-AF9C-5D459394DC37}" type="datetimeFigureOut">
               <a:rPr lang="en-US" smtClean="0"/>
               <a:pPr/>
-              <a:t>7/5/2012</a:t>
+              <a:t>7/22/2012</a:t>
             </a:fld>
             <a:endParaRPr lang="en-US"/>
           </a:p>
@@ -3329,7 +3329,7 @@
             <a:fld id="{2978B3E9-F106-4B3B-AF9C-5D459394DC37}" type="datetimeFigureOut">
               <a:rPr lang="en-US" smtClean="0"/>
               <a:pPr/>
-              <a:t>7/5/2012</a:t>
+              <a:t>7/22/2012</a:t>
             </a:fld>
             <a:endParaRPr lang="en-US"/>
           </a:p>
@@ -3496,7 +3496,7 @@
             <a:fld id="{2978B3E9-F106-4B3B-AF9C-5D459394DC37}" type="datetimeFigureOut">
               <a:rPr lang="en-US" smtClean="0"/>
               <a:pPr/>
-              <a:t>7/5/2012</a:t>
+              <a:t>7/22/2012</a:t>
             </a:fld>
             <a:endParaRPr lang="en-US"/>
           </a:p>
@@ -3739,7 +3739,7 @@
             <a:fld id="{2978B3E9-F106-4B3B-AF9C-5D459394DC37}" type="datetimeFigureOut">
               <a:rPr lang="en-US" smtClean="0"/>
               <a:pPr/>
-              <a:t>7/5/2012</a:t>
+              <a:t>7/22/2012</a:t>
             </a:fld>
             <a:endParaRPr lang="en-US"/>
           </a:p>
@@ -4024,7 +4024,7 @@
             <a:fld id="{2978B3E9-F106-4B3B-AF9C-5D459394DC37}" type="datetimeFigureOut">
               <a:rPr lang="en-US" smtClean="0"/>
               <a:pPr/>
-              <a:t>7/5/2012</a:t>
+              <a:t>7/22/2012</a:t>
             </a:fld>
             <a:endParaRPr lang="en-US"/>
           </a:p>
@@ -4443,7 +4443,7 @@
             <a:fld id="{2978B3E9-F106-4B3B-AF9C-5D459394DC37}" type="datetimeFigureOut">
               <a:rPr lang="en-US" smtClean="0"/>
               <a:pPr/>
-              <a:t>7/5/2012</a:t>
+              <a:t>7/22/2012</a:t>
             </a:fld>
             <a:endParaRPr lang="en-US"/>
           </a:p>
@@ -4558,7 +4558,7 @@
             <a:fld id="{2978B3E9-F106-4B3B-AF9C-5D459394DC37}" type="datetimeFigureOut">
               <a:rPr lang="en-US" smtClean="0"/>
               <a:pPr/>
-              <a:t>7/5/2012</a:t>
+              <a:t>7/22/2012</a:t>
             </a:fld>
             <a:endParaRPr lang="en-US"/>
           </a:p>
@@ -4650,7 +4650,7 @@
             <a:fld id="{2978B3E9-F106-4B3B-AF9C-5D459394DC37}" type="datetimeFigureOut">
               <a:rPr lang="en-US" smtClean="0"/>
               <a:pPr/>
-              <a:t>7/5/2012</a:t>
+              <a:t>7/22/2012</a:t>
             </a:fld>
             <a:endParaRPr lang="en-US"/>
           </a:p>
@@ -4924,7 +4924,7 @@
             <a:fld id="{2978B3E9-F106-4B3B-AF9C-5D459394DC37}" type="datetimeFigureOut">
               <a:rPr lang="en-US" smtClean="0"/>
               <a:pPr/>
-              <a:t>7/5/2012</a:t>
+              <a:t>7/22/2012</a:t>
             </a:fld>
             <a:endParaRPr lang="en-US"/>
           </a:p>
@@ -5174,7 +5174,7 @@
             <a:fld id="{2978B3E9-F106-4B3B-AF9C-5D459394DC37}" type="datetimeFigureOut">
               <a:rPr lang="en-US" smtClean="0"/>
               <a:pPr/>
-              <a:t>7/5/2012</a:t>
+              <a:t>7/22/2012</a:t>
             </a:fld>
             <a:endParaRPr lang="en-US"/>
           </a:p>
@@ -5384,7 +5384,7 @@
             <a:fld id="{2978B3E9-F106-4B3B-AF9C-5D459394DC37}" type="datetimeFigureOut">
               <a:rPr lang="en-US" smtClean="0"/>
               <a:pPr/>
-              <a:t>7/5/2012</a:t>
+              <a:t>7/22/2012</a:t>
             </a:fld>
             <a:endParaRPr lang="en-US"/>
           </a:p>
@@ -25221,13 +25221,8 @@
             <a:pPr algn="ctr"/>
             <a:r>
               <a:rPr lang="en-US" smtClean="0"/>
-              <a:t>The XML file layout is </a:t>
-            </a:r>
-            <a:r>
-              <a:rPr lang="en-US" smtClean="0"/>
-              <a:t>shown on the slides that follow.</a:t>
-            </a:r>
-            <a:endParaRPr lang="en-US" smtClean="0"/>
+              <a:t>The XML file layout is shown on the slides that follow.</a:t>
+            </a:r>
           </a:p>
         </p:txBody>
       </p:sp>
@@ -25716,26 +25711,8 @@
                 <a:latin typeface="Courier New" pitchFamily="49" charset="0"/>
                 <a:cs typeface="Courier New" pitchFamily="49" charset="0"/>
               </a:rPr>
-              <a:t>      &lt;/</a:t>
-            </a:r>
-            <a:r>
-              <a:rPr lang="en-US" sz="1100" smtClean="0">
-                <a:latin typeface="Courier New" pitchFamily="49" charset="0"/>
-                <a:cs typeface="Courier New" pitchFamily="49" charset="0"/>
-              </a:rPr>
-              <a:t>section</a:t>
-            </a:r>
-            <a:r>
-              <a:rPr lang="en-US" sz="1100" smtClean="0">
-                <a:latin typeface="Courier New" pitchFamily="49" charset="0"/>
-                <a:cs typeface="Courier New" pitchFamily="49" charset="0"/>
-              </a:rPr>
-              <a:t>&gt;</a:t>
-            </a:r>
-            <a:endParaRPr lang="en-US" sz="1100" smtClean="0">
-              <a:latin typeface="Courier New" pitchFamily="49" charset="0"/>
-              <a:cs typeface="Courier New" pitchFamily="49" charset="0"/>
-            </a:endParaRPr>
+              <a:t>      &lt;/section&gt;</a:t>
+            </a:r>
           </a:p>
         </p:txBody>
       </p:sp>
@@ -25848,14 +25825,7 @@
                 <a:latin typeface="Courier New" pitchFamily="49" charset="0"/>
                 <a:cs typeface="Courier New" pitchFamily="49" charset="0"/>
               </a:rPr>
-              <a:t>      &lt;</a:t>
-            </a:r>
-            <a:r>
-              <a:rPr lang="en-US" sz="1100" smtClean="0">
-                <a:latin typeface="Courier New" pitchFamily="49" charset="0"/>
-                <a:cs typeface="Courier New" pitchFamily="49" charset="0"/>
-              </a:rPr>
-              <a:t>section id="4"&gt;</a:t>
+              <a:t>      &lt;section id="4"&gt;</a:t>
             </a:r>
           </a:p>
           <a:p>
@@ -26134,26 +26104,8 @@
                 <a:latin typeface="Courier New" pitchFamily="49" charset="0"/>
                 <a:cs typeface="Courier New" pitchFamily="49" charset="0"/>
               </a:rPr>
-              <a:t>      &lt;/</a:t>
-            </a:r>
-            <a:r>
-              <a:rPr lang="en-US" sz="1100" smtClean="0">
-                <a:latin typeface="Courier New" pitchFamily="49" charset="0"/>
-                <a:cs typeface="Courier New" pitchFamily="49" charset="0"/>
-              </a:rPr>
-              <a:t>section</a:t>
-            </a:r>
-            <a:r>
-              <a:rPr lang="en-US" sz="1100" smtClean="0">
-                <a:latin typeface="Courier New" pitchFamily="49" charset="0"/>
-                <a:cs typeface="Courier New" pitchFamily="49" charset="0"/>
-              </a:rPr>
-              <a:t>&gt;</a:t>
-            </a:r>
-            <a:endParaRPr lang="en-US" sz="1100" smtClean="0">
-              <a:latin typeface="Courier New" pitchFamily="49" charset="0"/>
-              <a:cs typeface="Courier New" pitchFamily="49" charset="0"/>
-            </a:endParaRPr>
+              <a:t>      &lt;/section&gt;</a:t>
+            </a:r>
           </a:p>
         </p:txBody>
       </p:sp>
@@ -26209,14 +26161,7 @@
                 <a:latin typeface="Courier New" pitchFamily="49" charset="0"/>
                 <a:cs typeface="Courier New" pitchFamily="49" charset="0"/>
               </a:rPr>
-              <a:t>      &lt;</a:t>
-            </a:r>
-            <a:r>
-              <a:rPr lang="en-US" sz="1100" smtClean="0">
-                <a:latin typeface="Courier New" pitchFamily="49" charset="0"/>
-                <a:cs typeface="Courier New" pitchFamily="49" charset="0"/>
-              </a:rPr>
-              <a:t>section id="10"&gt;</a:t>
+              <a:t>      &lt;section id="10"&gt;</a:t>
             </a:r>
           </a:p>
           <a:p>
@@ -26477,26 +26422,8 @@
                 <a:latin typeface="Courier New" pitchFamily="49" charset="0"/>
                 <a:cs typeface="Courier New" pitchFamily="49" charset="0"/>
               </a:rPr>
-              <a:t>      &lt;/</a:t>
-            </a:r>
-            <a:r>
-              <a:rPr lang="en-US" sz="1100" smtClean="0">
-                <a:latin typeface="Courier New" pitchFamily="49" charset="0"/>
-                <a:cs typeface="Courier New" pitchFamily="49" charset="0"/>
-              </a:rPr>
-              <a:t>section</a:t>
-            </a:r>
-            <a:r>
-              <a:rPr lang="en-US" sz="1100" smtClean="0">
-                <a:latin typeface="Courier New" pitchFamily="49" charset="0"/>
-                <a:cs typeface="Courier New" pitchFamily="49" charset="0"/>
-              </a:rPr>
-              <a:t>&gt;</a:t>
-            </a:r>
-            <a:endParaRPr lang="en-US" sz="1100" smtClean="0">
-              <a:latin typeface="Courier New" pitchFamily="49" charset="0"/>
-              <a:cs typeface="Courier New" pitchFamily="49" charset="0"/>
-            </a:endParaRPr>
+              <a:t>      &lt;/section&gt;</a:t>
+            </a:r>
           </a:p>
         </p:txBody>
       </p:sp>
@@ -26552,14 +26479,7 @@
                 <a:latin typeface="Courier New" pitchFamily="49" charset="0"/>
                 <a:cs typeface="Courier New" pitchFamily="49" charset="0"/>
               </a:rPr>
-              <a:t>      &lt;</a:t>
-            </a:r>
-            <a:r>
-              <a:rPr lang="en-US" sz="1100" smtClean="0">
-                <a:latin typeface="Courier New" pitchFamily="49" charset="0"/>
-                <a:cs typeface="Courier New" pitchFamily="49" charset="0"/>
-              </a:rPr>
-              <a:t>section id="16"&gt;</a:t>
+              <a:t>      &lt;section id="16"&gt;</a:t>
             </a:r>
           </a:p>
           <a:p>
@@ -26820,26 +26740,8 @@
                 <a:latin typeface="Courier New" pitchFamily="49" charset="0"/>
                 <a:cs typeface="Courier New" pitchFamily="49" charset="0"/>
               </a:rPr>
-              <a:t>      &lt;/</a:t>
-            </a:r>
-            <a:r>
-              <a:rPr lang="en-US" sz="1100" smtClean="0">
-                <a:latin typeface="Courier New" pitchFamily="49" charset="0"/>
-                <a:cs typeface="Courier New" pitchFamily="49" charset="0"/>
-              </a:rPr>
-              <a:t>section</a:t>
-            </a:r>
-            <a:r>
-              <a:rPr lang="en-US" sz="1100" smtClean="0">
-                <a:latin typeface="Courier New" pitchFamily="49" charset="0"/>
-                <a:cs typeface="Courier New" pitchFamily="49" charset="0"/>
-              </a:rPr>
-              <a:t>&gt;</a:t>
-            </a:r>
-            <a:endParaRPr lang="en-US" sz="1100" smtClean="0">
-              <a:latin typeface="Courier New" pitchFamily="49" charset="0"/>
-              <a:cs typeface="Courier New" pitchFamily="49" charset="0"/>
-            </a:endParaRPr>
+              <a:t>      &lt;/section&gt;</a:t>
+            </a:r>
           </a:p>
         </p:txBody>
       </p:sp>
@@ -26895,14 +26797,7 @@
                 <a:latin typeface="Courier New" pitchFamily="49" charset="0"/>
                 <a:cs typeface="Courier New" pitchFamily="49" charset="0"/>
               </a:rPr>
-              <a:t>      &lt;</a:t>
-            </a:r>
-            <a:r>
-              <a:rPr lang="en-US" sz="1100" smtClean="0">
-                <a:latin typeface="Courier New" pitchFamily="49" charset="0"/>
-                <a:cs typeface="Courier New" pitchFamily="49" charset="0"/>
-              </a:rPr>
-              <a:t>section id="22"&gt;</a:t>
+              <a:t>      &lt;section id="22"&gt;</a:t>
             </a:r>
           </a:p>
           <a:p>
@@ -27181,26 +27076,8 @@
                 <a:latin typeface="Courier New" pitchFamily="49" charset="0"/>
                 <a:cs typeface="Courier New" pitchFamily="49" charset="0"/>
               </a:rPr>
-              <a:t>      &lt;/</a:t>
-            </a:r>
-            <a:r>
-              <a:rPr lang="en-US" sz="1100" smtClean="0">
-                <a:latin typeface="Courier New" pitchFamily="49" charset="0"/>
-                <a:cs typeface="Courier New" pitchFamily="49" charset="0"/>
-              </a:rPr>
-              <a:t>section</a:t>
-            </a:r>
-            <a:r>
-              <a:rPr lang="en-US" sz="1100" smtClean="0">
-                <a:latin typeface="Courier New" pitchFamily="49" charset="0"/>
-                <a:cs typeface="Courier New" pitchFamily="49" charset="0"/>
-              </a:rPr>
-              <a:t>&gt;</a:t>
-            </a:r>
-            <a:endParaRPr lang="en-US" sz="1100" smtClean="0">
-              <a:latin typeface="Courier New" pitchFamily="49" charset="0"/>
-              <a:cs typeface="Courier New" pitchFamily="49" charset="0"/>
-            </a:endParaRPr>
+              <a:t>      &lt;/section&gt;</a:t>
+            </a:r>
           </a:p>
         </p:txBody>
       </p:sp>
@@ -27238,7 +27115,7 @@
         <p:spPr>
           <a:xfrm>
             <a:off x="935421" y="798786"/>
-            <a:ext cx="7746124" cy="5509200"/>
+            <a:ext cx="7746124" cy="5847755"/>
           </a:xfrm>
           <a:prstGeom prst="rect">
             <a:avLst/>
@@ -27256,14 +27133,7 @@
                 <a:latin typeface="Courier New" pitchFamily="49" charset="0"/>
                 <a:cs typeface="Courier New" pitchFamily="49" charset="0"/>
               </a:rPr>
-              <a:t>   &lt;</a:t>
-            </a:r>
-            <a:r>
-              <a:rPr lang="en-US" sz="1100" smtClean="0">
-                <a:latin typeface="Courier New" pitchFamily="49" charset="0"/>
-                <a:cs typeface="Courier New" pitchFamily="49" charset="0"/>
-              </a:rPr>
-              <a:t>section id="27"&gt;</a:t>
+              <a:t>   &lt;section id="27"&gt;</a:t>
             </a:r>
           </a:p>
           <a:p>
@@ -27353,8 +27223,49 @@
                 <a:latin typeface="Courier New" pitchFamily="49" charset="0"/>
                 <a:cs typeface="Courier New" pitchFamily="49" charset="0"/>
               </a:rPr>
-              <a:t>      &lt;switch id = "1" state="closed"&gt;</a:t>
-            </a:r>
+              <a:t>      &lt;switch id = "1" state</a:t>
+            </a:r>
+            <a:r>
+              <a:rPr lang="en-US" sz="1100" smtClean="0">
+                <a:latin typeface="Courier New" pitchFamily="49" charset="0"/>
+                <a:cs typeface="Courier New" pitchFamily="49" charset="0"/>
+              </a:rPr>
+              <a:t>=“read</a:t>
+            </a:r>
+            <a:r>
+              <a:rPr lang="en-US" sz="1100" smtClean="0">
+                <a:latin typeface="Courier New" pitchFamily="49" charset="0"/>
+                <a:cs typeface="Courier New" pitchFamily="49" charset="0"/>
+              </a:rPr>
+              <a:t>"&gt; </a:t>
+            </a:r>
+            <a:r>
+              <a:rPr lang="en-US" sz="1100" smtClean="0">
+                <a:latin typeface="Courier New" pitchFamily="49" charset="0"/>
+                <a:cs typeface="Courier New" pitchFamily="49" charset="0"/>
+              </a:rPr>
+              <a:t>&lt;!–- controller will read actual value from --&gt;</a:t>
+            </a:r>
+          </a:p>
+          <a:p>
+            <a:r>
+              <a:rPr lang="en-US" sz="1100" smtClean="0">
+                <a:latin typeface="Courier New" pitchFamily="49" charset="0"/>
+                <a:cs typeface="Courier New" pitchFamily="49" charset="0"/>
+              </a:rPr>
+              <a:t> </a:t>
+            </a:r>
+            <a:r>
+              <a:rPr lang="en-US" sz="1100" smtClean="0">
+                <a:latin typeface="Courier New" pitchFamily="49" charset="0"/>
+                <a:cs typeface="Courier New" pitchFamily="49" charset="0"/>
+              </a:rPr>
+              <a:t>                                    &lt;!–- railroad at run time --&gt;</a:t>
+            </a:r>
+            <a:endParaRPr lang="en-US" sz="1100" smtClean="0">
+              <a:latin typeface="Courier New" pitchFamily="49" charset="0"/>
+              <a:cs typeface="Courier New" pitchFamily="49" charset="0"/>
+            </a:endParaRPr>
           </a:p>
           <a:p>
             <a:r>
@@ -27452,8 +27363,74 @@
                 <a:latin typeface="Courier New" pitchFamily="49" charset="0"/>
                 <a:cs typeface="Courier New" pitchFamily="49" charset="0"/>
               </a:rPr>
-              <a:t>      &lt;switch id = "4" state="thrown"&gt;</a:t>
-            </a:r>
+              <a:t>      &lt;switch id = "4" state="thrown</a:t>
+            </a:r>
+            <a:r>
+              <a:rPr lang="en-US" sz="1100" smtClean="0">
+                <a:latin typeface="Courier New" pitchFamily="49" charset="0"/>
+                <a:cs typeface="Courier New" pitchFamily="49" charset="0"/>
+              </a:rPr>
+              <a:t>"&gt; &lt;!–- controller </a:t>
+            </a:r>
+            <a:r>
+              <a:rPr lang="en-US" sz="1100" smtClean="0">
+                <a:latin typeface="Courier New" pitchFamily="49" charset="0"/>
+                <a:cs typeface="Courier New" pitchFamily="49" charset="0"/>
+              </a:rPr>
+              <a:t>will </a:t>
+            </a:r>
+            <a:r>
+              <a:rPr lang="en-US" sz="1100" smtClean="0">
+                <a:latin typeface="Courier New" pitchFamily="49" charset="0"/>
+                <a:cs typeface="Courier New" pitchFamily="49" charset="0"/>
+              </a:rPr>
+              <a:t>set switch to this value --&gt;</a:t>
+            </a:r>
+            <a:endParaRPr lang="en-US" sz="1100" smtClean="0">
+              <a:latin typeface="Courier New" pitchFamily="49" charset="0"/>
+              <a:cs typeface="Courier New" pitchFamily="49" charset="0"/>
+            </a:endParaRPr>
+          </a:p>
+          <a:p>
+            <a:r>
+              <a:rPr lang="en-US" sz="1100" smtClean="0">
+                <a:latin typeface="Courier New" pitchFamily="49" charset="0"/>
+                <a:cs typeface="Courier New" pitchFamily="49" charset="0"/>
+              </a:rPr>
+              <a:t>                                     </a:t>
+            </a:r>
+            <a:r>
+              <a:rPr lang="en-US" sz="1100" smtClean="0">
+                <a:latin typeface="Courier New" pitchFamily="49" charset="0"/>
+                <a:cs typeface="Courier New" pitchFamily="49" charset="0"/>
+              </a:rPr>
+              <a:t>  &lt;!–- at </a:t>
+            </a:r>
+            <a:r>
+              <a:rPr lang="en-US" sz="1100" smtClean="0">
+                <a:latin typeface="Courier New" pitchFamily="49" charset="0"/>
+                <a:cs typeface="Courier New" pitchFamily="49" charset="0"/>
+              </a:rPr>
+              <a:t>run </a:t>
+            </a:r>
+            <a:r>
+              <a:rPr lang="en-US" sz="1100" smtClean="0">
+                <a:latin typeface="Courier New" pitchFamily="49" charset="0"/>
+                <a:cs typeface="Courier New" pitchFamily="49" charset="0"/>
+              </a:rPr>
+              <a:t>time </a:t>
+            </a:r>
+            <a:r>
+              <a:rPr lang="en-US" sz="1100" smtClean="0">
+                <a:latin typeface="Courier New" pitchFamily="49" charset="0"/>
+                <a:cs typeface="Courier New" pitchFamily="49" charset="0"/>
+              </a:rPr>
+              <a:t>--&gt;</a:t>
+            </a:r>
+            <a:endParaRPr lang="en-US" sz="1100" smtClean="0">
+              <a:latin typeface="Courier New" pitchFamily="49" charset="0"/>
+              <a:cs typeface="Courier New" pitchFamily="49" charset="0"/>
+            </a:endParaRPr>
           </a:p>
           <a:p>
             <a:r>
@@ -27596,14 +27573,7 @@
                 <a:latin typeface="Courier New" pitchFamily="49" charset="0"/>
                 <a:cs typeface="Courier New" pitchFamily="49" charset="0"/>
               </a:rPr>
-              <a:t>      &lt;</a:t>
-            </a:r>
-            <a:r>
-              <a:rPr lang="en-US" sz="1100" smtClean="0">
-                <a:latin typeface="Courier New" pitchFamily="49" charset="0"/>
-                <a:cs typeface="Courier New" pitchFamily="49" charset="0"/>
-              </a:rPr>
-              <a:t>switch id = "6" state="closed"&gt;</a:t>
+              <a:t>      &lt;switch id = "6" state="closed"&gt;</a:t>
             </a:r>
           </a:p>
           <a:p>
@@ -36565,13 +36535,8 @@
             </a:r>
             <a:r>
               <a:rPr lang="en-US" sz="1100" smtClean="0"/>
-              <a:t>states           </a:t>
-            </a:r>
-            <a:r>
-              <a:rPr lang="en-US" sz="1100" smtClean="0"/>
-              <a:t>enter/putSwitchState</a:t>
-            </a:r>
-            <a:endParaRPr lang="en-US" sz="1100" smtClean="0"/>
+              <a:t>states           enter/putSwitchState</a:t>
+            </a:r>
           </a:p>
           <a:p>
             <a:r>
@@ -36582,19 +36547,7 @@
           <a:p>
             <a:r>
               <a:rPr lang="en-US" sz="1100" smtClean="0"/>
-              <a:t>If switch Thrown/Begin Throw, then throw swithch is a </a:t>
-            </a:r>
-            <a:r>
-              <a:rPr lang="en-US" sz="1100" smtClean="0"/>
-              <a:t>nop</a:t>
-            </a:r>
-            <a:r>
-              <a:rPr lang="en-US" sz="1100" smtClean="0"/>
-              <a:t>.</a:t>
-            </a:r>
-            <a:r>
-              <a:rPr lang="en-US" sz="1100" smtClean="0"/>
-              <a:t> </a:t>
+              <a:t>If switch Thrown/Begin Throw, then throw swithch is a nop. </a:t>
             </a:r>
             <a:endParaRPr lang="en-US" sz="1100" dirty="0"/>
           </a:p>
@@ -37720,73 +37673,20 @@
             </a:r>
             <a:r>
               <a:rPr lang="en-US" sz="1100" smtClean="0"/>
-              <a:t>states           </a:t>
-            </a:r>
+              <a:t>states           enter/putSwitchState</a:t>
+            </a:r>
+          </a:p>
+          <a:p>
             <a:r>
               <a:rPr lang="en-US" sz="1100" smtClean="0"/>
-              <a:t>enter/putSwitchState</a:t>
+              <a:t>If switch Closed/Begin Close, then close swithch is a nop.</a:t>
             </a:r>
           </a:p>
           <a:p>
             <a:r>
               <a:rPr lang="en-US" sz="1100" smtClean="0"/>
-              <a:t>If </a:t>
-            </a:r>
-            <a:r>
-              <a:rPr lang="en-US" sz="1100" smtClean="0"/>
-              <a:t>switch </a:t>
-            </a:r>
-            <a:r>
-              <a:rPr lang="en-US" sz="1100" smtClean="0"/>
-              <a:t>Closed/Begin Close, </a:t>
-            </a:r>
-            <a:r>
-              <a:rPr lang="en-US" sz="1100" smtClean="0"/>
-              <a:t>then close swithch is </a:t>
-            </a:r>
-            <a:r>
-              <a:rPr lang="en-US" sz="1100" smtClean="0"/>
-              <a:t>a </a:t>
-            </a:r>
-            <a:r>
-              <a:rPr lang="en-US" sz="1100" smtClean="0"/>
-              <a:t>nop.</a:t>
-            </a:r>
-          </a:p>
-          <a:p>
-            <a:r>
-              <a:rPr lang="en-US" sz="1100" smtClean="0"/>
-              <a:t>If </a:t>
-            </a:r>
-            <a:r>
-              <a:rPr lang="en-US" sz="1100" smtClean="0"/>
-              <a:t>switch </a:t>
-            </a:r>
-            <a:r>
-              <a:rPr lang="en-US" sz="1100" smtClean="0"/>
-              <a:t>Thrown/Begin Throw, </a:t>
-            </a:r>
-            <a:r>
-              <a:rPr lang="en-US" sz="1100" smtClean="0"/>
-              <a:t>then </a:t>
-            </a:r>
-            <a:r>
-              <a:rPr lang="en-US" sz="1100" smtClean="0"/>
-              <a:t>throw swithch </a:t>
-            </a:r>
-            <a:r>
-              <a:rPr lang="en-US" sz="1100" smtClean="0"/>
-              <a:t>is a </a:t>
-            </a:r>
-            <a:r>
-              <a:rPr lang="en-US" sz="1100" smtClean="0"/>
-              <a:t>nop</a:t>
-            </a:r>
-            <a:r>
-              <a:rPr lang="en-US" sz="1100" smtClean="0"/>
-              <a:t>.</a:t>
-            </a:r>
-            <a:endParaRPr lang="en-US" sz="1100" smtClean="0"/>
+              <a:t>If switch Thrown/Begin Throw, then throw swithch is a nop.</a:t>
+            </a:r>
           </a:p>
         </p:txBody>
       </p:sp>
@@ -37892,11 +37792,7 @@
             </a:r>
             <a:r>
               <a:rPr lang="en-US" sz="1100" smtClean="0"/>
-              <a:t>throw </a:t>
-            </a:r>
-            <a:r>
-              <a:rPr lang="en-US" sz="1100" smtClean="0"/>
-              <a:t>message</a:t>
+              <a:t>throw message</a:t>
             </a:r>
           </a:p>
         </p:txBody>
@@ -38290,11 +38186,7 @@
             </a:r>
             <a:r>
               <a:rPr lang="en-US" sz="1100" smtClean="0"/>
-              <a:t>close </a:t>
-            </a:r>
-            <a:r>
-              <a:rPr lang="en-US" sz="1100" smtClean="0"/>
-              <a:t>message</a:t>
+              <a:t>close message</a:t>
             </a:r>
           </a:p>
         </p:txBody>

--- a/Documentation/Design/ControllerDesign.pptx
+++ b/Documentation/Design/ControllerDesign.pptx
@@ -243,7 +243,7 @@
             <a:fld id="{E7514D72-1C5C-40A3-B326-328CE3CD8924}" type="datetimeFigureOut">
               <a:rPr lang="en-US" smtClean="0"/>
               <a:pPr/>
-              <a:t>7/22/2012</a:t>
+              <a:t>9/4/2012</a:t>
             </a:fld>
             <a:endParaRPr lang="en-US"/>
           </a:p>
@@ -2985,7 +2985,7 @@
             <a:fld id="{2978B3E9-F106-4B3B-AF9C-5D459394DC37}" type="datetimeFigureOut">
               <a:rPr lang="en-US" smtClean="0"/>
               <a:pPr/>
-              <a:t>7/22/2012</a:t>
+              <a:t>9/4/2012</a:t>
             </a:fld>
             <a:endParaRPr lang="en-US"/>
           </a:p>
@@ -3152,7 +3152,7 @@
             <a:fld id="{2978B3E9-F106-4B3B-AF9C-5D459394DC37}" type="datetimeFigureOut">
               <a:rPr lang="en-US" smtClean="0"/>
               <a:pPr/>
-              <a:t>7/22/2012</a:t>
+              <a:t>9/4/2012</a:t>
             </a:fld>
             <a:endParaRPr lang="en-US"/>
           </a:p>
@@ -3329,7 +3329,7 @@
             <a:fld id="{2978B3E9-F106-4B3B-AF9C-5D459394DC37}" type="datetimeFigureOut">
               <a:rPr lang="en-US" smtClean="0"/>
               <a:pPr/>
-              <a:t>7/22/2012</a:t>
+              <a:t>9/4/2012</a:t>
             </a:fld>
             <a:endParaRPr lang="en-US"/>
           </a:p>
@@ -3496,7 +3496,7 @@
             <a:fld id="{2978B3E9-F106-4B3B-AF9C-5D459394DC37}" type="datetimeFigureOut">
               <a:rPr lang="en-US" smtClean="0"/>
               <a:pPr/>
-              <a:t>7/22/2012</a:t>
+              <a:t>9/4/2012</a:t>
             </a:fld>
             <a:endParaRPr lang="en-US"/>
           </a:p>
@@ -3739,7 +3739,7 @@
             <a:fld id="{2978B3E9-F106-4B3B-AF9C-5D459394DC37}" type="datetimeFigureOut">
               <a:rPr lang="en-US" smtClean="0"/>
               <a:pPr/>
-              <a:t>7/22/2012</a:t>
+              <a:t>9/4/2012</a:t>
             </a:fld>
             <a:endParaRPr lang="en-US"/>
           </a:p>
@@ -4024,7 +4024,7 @@
             <a:fld id="{2978B3E9-F106-4B3B-AF9C-5D459394DC37}" type="datetimeFigureOut">
               <a:rPr lang="en-US" smtClean="0"/>
               <a:pPr/>
-              <a:t>7/22/2012</a:t>
+              <a:t>9/4/2012</a:t>
             </a:fld>
             <a:endParaRPr lang="en-US"/>
           </a:p>
@@ -4443,7 +4443,7 @@
             <a:fld id="{2978B3E9-F106-4B3B-AF9C-5D459394DC37}" type="datetimeFigureOut">
               <a:rPr lang="en-US" smtClean="0"/>
               <a:pPr/>
-              <a:t>7/22/2012</a:t>
+              <a:t>9/4/2012</a:t>
             </a:fld>
             <a:endParaRPr lang="en-US"/>
           </a:p>
@@ -4558,7 +4558,7 @@
             <a:fld id="{2978B3E9-F106-4B3B-AF9C-5D459394DC37}" type="datetimeFigureOut">
               <a:rPr lang="en-US" smtClean="0"/>
               <a:pPr/>
-              <a:t>7/22/2012</a:t>
+              <a:t>9/4/2012</a:t>
             </a:fld>
             <a:endParaRPr lang="en-US"/>
           </a:p>
@@ -4650,7 +4650,7 @@
             <a:fld id="{2978B3E9-F106-4B3B-AF9C-5D459394DC37}" type="datetimeFigureOut">
               <a:rPr lang="en-US" smtClean="0"/>
               <a:pPr/>
-              <a:t>7/22/2012</a:t>
+              <a:t>9/4/2012</a:t>
             </a:fld>
             <a:endParaRPr lang="en-US"/>
           </a:p>
@@ -4924,7 +4924,7 @@
             <a:fld id="{2978B3E9-F106-4B3B-AF9C-5D459394DC37}" type="datetimeFigureOut">
               <a:rPr lang="en-US" smtClean="0"/>
               <a:pPr/>
-              <a:t>7/22/2012</a:t>
+              <a:t>9/4/2012</a:t>
             </a:fld>
             <a:endParaRPr lang="en-US"/>
           </a:p>
@@ -5174,7 +5174,7 @@
             <a:fld id="{2978B3E9-F106-4B3B-AF9C-5D459394DC37}" type="datetimeFigureOut">
               <a:rPr lang="en-US" smtClean="0"/>
               <a:pPr/>
-              <a:t>7/22/2012</a:t>
+              <a:t>9/4/2012</a:t>
             </a:fld>
             <a:endParaRPr lang="en-US"/>
           </a:p>
@@ -5384,7 +5384,7 @@
             <a:fld id="{2978B3E9-F106-4B3B-AF9C-5D459394DC37}" type="datetimeFigureOut">
               <a:rPr lang="en-US" smtClean="0"/>
               <a:pPr/>
-              <a:t>7/22/2012</a:t>
+              <a:t>9/4/2012</a:t>
             </a:fld>
             <a:endParaRPr lang="en-US"/>
           </a:p>
@@ -27223,49 +27223,17 @@
                 <a:latin typeface="Courier New" pitchFamily="49" charset="0"/>
                 <a:cs typeface="Courier New" pitchFamily="49" charset="0"/>
               </a:rPr>
-              <a:t>      &lt;switch id = "1" state</a:t>
-            </a:r>
+              <a:t>      &lt;switch id = "1" state=“read"&gt; &lt;!–- controller will read actual value from --&gt;</a:t>
+            </a:r>
+          </a:p>
+          <a:p>
             <a:r>
               <a:rPr lang="en-US" sz="1100" smtClean="0">
                 <a:latin typeface="Courier New" pitchFamily="49" charset="0"/>
                 <a:cs typeface="Courier New" pitchFamily="49" charset="0"/>
               </a:rPr>
-              <a:t>=“read</a:t>
-            </a:r>
-            <a:r>
-              <a:rPr lang="en-US" sz="1100" smtClean="0">
-                <a:latin typeface="Courier New" pitchFamily="49" charset="0"/>
-                <a:cs typeface="Courier New" pitchFamily="49" charset="0"/>
-              </a:rPr>
-              <a:t>"&gt; </a:t>
-            </a:r>
-            <a:r>
-              <a:rPr lang="en-US" sz="1100" smtClean="0">
-                <a:latin typeface="Courier New" pitchFamily="49" charset="0"/>
-                <a:cs typeface="Courier New" pitchFamily="49" charset="0"/>
-              </a:rPr>
-              <a:t>&lt;!–- controller will read actual value from --&gt;</a:t>
-            </a:r>
-          </a:p>
-          <a:p>
-            <a:r>
-              <a:rPr lang="en-US" sz="1100" smtClean="0">
-                <a:latin typeface="Courier New" pitchFamily="49" charset="0"/>
-                <a:cs typeface="Courier New" pitchFamily="49" charset="0"/>
-              </a:rPr>
-              <a:t> </a:t>
-            </a:r>
-            <a:r>
-              <a:rPr lang="en-US" sz="1100" smtClean="0">
-                <a:latin typeface="Courier New" pitchFamily="49" charset="0"/>
-                <a:cs typeface="Courier New" pitchFamily="49" charset="0"/>
-              </a:rPr>
-              <a:t>                                    &lt;!–- railroad at run time --&gt;</a:t>
-            </a:r>
-            <a:endParaRPr lang="en-US" sz="1100" smtClean="0">
-              <a:latin typeface="Courier New" pitchFamily="49" charset="0"/>
-              <a:cs typeface="Courier New" pitchFamily="49" charset="0"/>
-            </a:endParaRPr>
+              <a:t>                                     &lt;!–- railroad at run time --&gt;</a:t>
+            </a:r>
           </a:p>
           <a:p>
             <a:r>
@@ -27363,74 +27331,17 @@
                 <a:latin typeface="Courier New" pitchFamily="49" charset="0"/>
                 <a:cs typeface="Courier New" pitchFamily="49" charset="0"/>
               </a:rPr>
-              <a:t>      &lt;switch id = "4" state="thrown</a:t>
-            </a:r>
+              <a:t>      &lt;switch id = "4" state="thrown"&gt; &lt;!–- controller will set switch to this value --&gt;</a:t>
+            </a:r>
+          </a:p>
+          <a:p>
             <a:r>
               <a:rPr lang="en-US" sz="1100" smtClean="0">
                 <a:latin typeface="Courier New" pitchFamily="49" charset="0"/>
                 <a:cs typeface="Courier New" pitchFamily="49" charset="0"/>
               </a:rPr>
-              <a:t>"&gt; &lt;!–- controller </a:t>
-            </a:r>
-            <a:r>
-              <a:rPr lang="en-US" sz="1100" smtClean="0">
-                <a:latin typeface="Courier New" pitchFamily="49" charset="0"/>
-                <a:cs typeface="Courier New" pitchFamily="49" charset="0"/>
-              </a:rPr>
-              <a:t>will </a:t>
-            </a:r>
-            <a:r>
-              <a:rPr lang="en-US" sz="1100" smtClean="0">
-                <a:latin typeface="Courier New" pitchFamily="49" charset="0"/>
-                <a:cs typeface="Courier New" pitchFamily="49" charset="0"/>
-              </a:rPr>
-              <a:t>set switch to this value --&gt;</a:t>
-            </a:r>
-            <a:endParaRPr lang="en-US" sz="1100" smtClean="0">
-              <a:latin typeface="Courier New" pitchFamily="49" charset="0"/>
-              <a:cs typeface="Courier New" pitchFamily="49" charset="0"/>
-            </a:endParaRPr>
-          </a:p>
-          <a:p>
-            <a:r>
-              <a:rPr lang="en-US" sz="1100" smtClean="0">
-                <a:latin typeface="Courier New" pitchFamily="49" charset="0"/>
-                <a:cs typeface="Courier New" pitchFamily="49" charset="0"/>
-              </a:rPr>
-              <a:t>                                     </a:t>
-            </a:r>
-            <a:r>
-              <a:rPr lang="en-US" sz="1100" smtClean="0">
-                <a:latin typeface="Courier New" pitchFamily="49" charset="0"/>
-                <a:cs typeface="Courier New" pitchFamily="49" charset="0"/>
-              </a:rPr>
-              <a:t>  &lt;!–- at </a:t>
-            </a:r>
-            <a:r>
-              <a:rPr lang="en-US" sz="1100" smtClean="0">
-                <a:latin typeface="Courier New" pitchFamily="49" charset="0"/>
-                <a:cs typeface="Courier New" pitchFamily="49" charset="0"/>
-              </a:rPr>
-              <a:t>run </a:t>
-            </a:r>
-            <a:r>
-              <a:rPr lang="en-US" sz="1100" smtClean="0">
-                <a:latin typeface="Courier New" pitchFamily="49" charset="0"/>
-                <a:cs typeface="Courier New" pitchFamily="49" charset="0"/>
-              </a:rPr>
-              <a:t>time </a:t>
-            </a:r>
-            <a:r>
-              <a:rPr lang="en-US" sz="1100" smtClean="0">
-                <a:latin typeface="Courier New" pitchFamily="49" charset="0"/>
-                <a:cs typeface="Courier New" pitchFamily="49" charset="0"/>
-              </a:rPr>
-              <a:t>--&gt;</a:t>
-            </a:r>
-            <a:endParaRPr lang="en-US" sz="1100" smtClean="0">
-              <a:latin typeface="Courier New" pitchFamily="49" charset="0"/>
-              <a:cs typeface="Courier New" pitchFamily="49" charset="0"/>
-            </a:endParaRPr>
+              <a:t>                                       &lt;!–- at run time --&gt;</a:t>
+            </a:r>
           </a:p>
           <a:p>
             <a:r>
@@ -28186,7 +28097,19 @@
           <a:p>
             <a:r>
               <a:rPr lang="en-US" dirty="0" smtClean="0"/>
-              <a:t>Train state diagram for event (DIRF speed 0)</a:t>
+              <a:t>Train state diagram for </a:t>
+            </a:r>
+            <a:r>
+              <a:rPr lang="en-US" smtClean="0"/>
+              <a:t>event </a:t>
+            </a:r>
+            <a:r>
+              <a:rPr lang="en-US" smtClean="0"/>
+              <a:t>(SPD speed </a:t>
+            </a:r>
+            <a:r>
+              <a:rPr lang="en-US" dirty="0" smtClean="0"/>
+              <a:t>0)</a:t>
             </a:r>
           </a:p>
           <a:p>
@@ -28727,7 +28650,7 @@
         <p:spPr>
           <a:xfrm>
             <a:off x="0" y="0"/>
-            <a:ext cx="4455772" cy="646331"/>
+            <a:ext cx="4391651" cy="646331"/>
           </a:xfrm>
           <a:prstGeom prst="rect">
             <a:avLst/>
@@ -28742,7 +28665,19 @@
           <a:p>
             <a:r>
               <a:rPr lang="en-US" dirty="0" smtClean="0"/>
-              <a:t>Train state diagram for event (DIRF speed &gt; 0)</a:t>
+              <a:t>Train state diagram for </a:t>
+            </a:r>
+            <a:r>
+              <a:rPr lang="en-US" smtClean="0"/>
+              <a:t>event </a:t>
+            </a:r>
+            <a:r>
+              <a:rPr lang="en-US" smtClean="0"/>
+              <a:t>(SPD speed </a:t>
+            </a:r>
+            <a:r>
+              <a:rPr lang="en-US" dirty="0" smtClean="0"/>
+              <a:t>&gt; 0)</a:t>
             </a:r>
           </a:p>
           <a:p>
@@ -29634,7 +29569,7 @@
         </p:nvSpPr>
         <p:spPr>
           <a:xfrm>
-            <a:off x="4589023" y="6045196"/>
+            <a:off x="4809363" y="6199434"/>
             <a:ext cx="2172390" cy="430887"/>
           </a:xfrm>
           <a:prstGeom prst="rect">
@@ -29682,8 +29617,8 @@
         </p:nvSpPr>
         <p:spPr>
           <a:xfrm>
-            <a:off x="4409722" y="5520267"/>
-            <a:ext cx="2410178" cy="499533"/>
+            <a:off x="3844887" y="5641454"/>
+            <a:ext cx="4065224" cy="499533"/>
           </a:xfrm>
           <a:custGeom>
             <a:avLst/>
@@ -30459,6 +30394,143 @@
               <a:t>[wait over]</a:t>
             </a:r>
             <a:endParaRPr lang="en-US" sz="1100" dirty="0"/>
+          </a:p>
+        </p:txBody>
+      </p:sp>
+      <p:sp>
+        <p:nvSpPr>
+          <p:cNvPr id="24" name="TextBox 23"/>
+          <p:cNvSpPr txBox="1"/>
+          <p:nvPr/>
+        </p:nvSpPr>
+        <p:spPr>
+          <a:xfrm>
+            <a:off x="6913123" y="4875572"/>
+            <a:ext cx="2172390" cy="430887"/>
+          </a:xfrm>
+          <a:prstGeom prst="rect">
+            <a:avLst/>
+          </a:prstGeom>
+          <a:noFill/>
+        </p:spPr>
+        <p:txBody>
+          <a:bodyPr wrap="none" rtlCol="0">
+            <a:spAutoFit/>
+          </a:bodyPr>
+          <a:lstStyle/>
+          <a:p>
+            <a:r>
+              <a:rPr lang="en-US" sz="1100" dirty="0" smtClean="0"/>
+              <a:t>/tell </a:t>
+            </a:r>
+            <a:r>
+              <a:rPr lang="en-US" sz="1100" dirty="0" err="1" smtClean="0"/>
+              <a:t>LayoutManager</a:t>
+            </a:r>
+            <a:r>
+              <a:rPr lang="en-US" sz="1100" dirty="0" smtClean="0"/>
+              <a:t> new direction</a:t>
+            </a:r>
+          </a:p>
+          <a:p>
+            <a:r>
+              <a:rPr lang="en-US" sz="1100" dirty="0" smtClean="0"/>
+              <a:t>/send direction </a:t>
+            </a:r>
+            <a:r>
+              <a:rPr lang="en-US" sz="1100" dirty="0" err="1" smtClean="0"/>
+              <a:t>msg</a:t>
+            </a:r>
+            <a:endParaRPr lang="en-US" sz="1100" dirty="0"/>
+          </a:p>
+        </p:txBody>
+      </p:sp>
+      <p:sp>
+        <p:nvSpPr>
+          <p:cNvPr id="27" name="Freeform 26"/>
+          <p:cNvSpPr/>
+          <p:nvPr/>
+        </p:nvSpPr>
+        <p:spPr>
+          <a:xfrm>
+            <a:off x="6951643" y="4350643"/>
+            <a:ext cx="1916936" cy="499533"/>
+          </a:xfrm>
+          <a:custGeom>
+            <a:avLst/>
+            <a:gdLst>
+              <a:gd name="connsiteX0" fmla="*/ 644878 w 2410178"/>
+              <a:gd name="connsiteY0" fmla="*/ 0 h 499533"/>
+              <a:gd name="connsiteX1" fmla="*/ 255411 w 2410178"/>
+              <a:gd name="connsiteY1" fmla="*/ 431800 h 499533"/>
+              <a:gd name="connsiteX2" fmla="*/ 2177345 w 2410178"/>
+              <a:gd name="connsiteY2" fmla="*/ 406400 h 499533"/>
+              <a:gd name="connsiteX3" fmla="*/ 1652411 w 2410178"/>
+              <a:gd name="connsiteY3" fmla="*/ 0 h 499533"/>
+            </a:gdLst>
+            <a:ahLst/>
+            <a:cxnLst>
+              <a:cxn ang="0">
+                <a:pos x="connsiteX0" y="connsiteY0"/>
+              </a:cxn>
+              <a:cxn ang="0">
+                <a:pos x="connsiteX1" y="connsiteY1"/>
+              </a:cxn>
+              <a:cxn ang="0">
+                <a:pos x="connsiteX2" y="connsiteY2"/>
+              </a:cxn>
+              <a:cxn ang="0">
+                <a:pos x="connsiteX3" y="connsiteY3"/>
+              </a:cxn>
+            </a:cxnLst>
+            <a:rect l="l" t="t" r="r" b="b"/>
+            <a:pathLst>
+              <a:path w="2410178" h="499533">
+                <a:moveTo>
+                  <a:pt x="644878" y="0"/>
+                </a:moveTo>
+                <a:cubicBezTo>
+                  <a:pt x="322439" y="182033"/>
+                  <a:pt x="0" y="364067"/>
+                  <a:pt x="255411" y="431800"/>
+                </a:cubicBezTo>
+                <a:cubicBezTo>
+                  <a:pt x="510822" y="499533"/>
+                  <a:pt x="1944512" y="478367"/>
+                  <a:pt x="2177345" y="406400"/>
+                </a:cubicBezTo>
+                <a:cubicBezTo>
+                  <a:pt x="2410178" y="334433"/>
+                  <a:pt x="2031294" y="167216"/>
+                  <a:pt x="1652411" y="0"/>
+                </a:cubicBezTo>
+              </a:path>
+            </a:pathLst>
+          </a:custGeom>
+          <a:ln>
+            <a:tailEnd type="arrow"/>
+          </a:ln>
+        </p:spPr>
+        <p:style>
+          <a:lnRef idx="1">
+            <a:schemeClr val="accent1"/>
+          </a:lnRef>
+          <a:fillRef idx="0">
+            <a:schemeClr val="accent1"/>
+          </a:fillRef>
+          <a:effectRef idx="0">
+            <a:schemeClr val="accent1"/>
+          </a:effectRef>
+          <a:fontRef idx="minor">
+            <a:schemeClr val="tx1"/>
+          </a:fontRef>
+        </p:style>
+        <p:txBody>
+          <a:bodyPr rtlCol="0" anchor="ctr"/>
+          <a:lstStyle/>
+          <a:p>
+            <a:pPr algn="ctr"/>
+            <a:endParaRPr lang="en-US"/>
           </a:p>
         </p:txBody>
       </p:sp>

--- a/Documentation/Design/ControllerDesign.pptx
+++ b/Documentation/Design/ControllerDesign.pptx
@@ -243,7 +243,7 @@
             <a:fld id="{E7514D72-1C5C-40A3-B326-328CE3CD8924}" type="datetimeFigureOut">
               <a:rPr lang="en-US" smtClean="0"/>
               <a:pPr/>
-              <a:t>9/4/2012</a:t>
+              <a:t>9/25/2012</a:t>
             </a:fld>
             <a:endParaRPr lang="en-US"/>
           </a:p>
@@ -2985,7 +2985,7 @@
             <a:fld id="{2978B3E9-F106-4B3B-AF9C-5D459394DC37}" type="datetimeFigureOut">
               <a:rPr lang="en-US" smtClean="0"/>
               <a:pPr/>
-              <a:t>9/4/2012</a:t>
+              <a:t>9/25/2012</a:t>
             </a:fld>
             <a:endParaRPr lang="en-US"/>
           </a:p>
@@ -3152,7 +3152,7 @@
             <a:fld id="{2978B3E9-F106-4B3B-AF9C-5D459394DC37}" type="datetimeFigureOut">
               <a:rPr lang="en-US" smtClean="0"/>
               <a:pPr/>
-              <a:t>9/4/2012</a:t>
+              <a:t>9/25/2012</a:t>
             </a:fld>
             <a:endParaRPr lang="en-US"/>
           </a:p>
@@ -3329,7 +3329,7 @@
             <a:fld id="{2978B3E9-F106-4B3B-AF9C-5D459394DC37}" type="datetimeFigureOut">
               <a:rPr lang="en-US" smtClean="0"/>
               <a:pPr/>
-              <a:t>9/4/2012</a:t>
+              <a:t>9/25/2012</a:t>
             </a:fld>
             <a:endParaRPr lang="en-US"/>
           </a:p>
@@ -3496,7 +3496,7 @@
             <a:fld id="{2978B3E9-F106-4B3B-AF9C-5D459394DC37}" type="datetimeFigureOut">
               <a:rPr lang="en-US" smtClean="0"/>
               <a:pPr/>
-              <a:t>9/4/2012</a:t>
+              <a:t>9/25/2012</a:t>
             </a:fld>
             <a:endParaRPr lang="en-US"/>
           </a:p>
@@ -3739,7 +3739,7 @@
             <a:fld id="{2978B3E9-F106-4B3B-AF9C-5D459394DC37}" type="datetimeFigureOut">
               <a:rPr lang="en-US" smtClean="0"/>
               <a:pPr/>
-              <a:t>9/4/2012</a:t>
+              <a:t>9/25/2012</a:t>
             </a:fld>
             <a:endParaRPr lang="en-US"/>
           </a:p>
@@ -4024,7 +4024,7 @@
             <a:fld id="{2978B3E9-F106-4B3B-AF9C-5D459394DC37}" type="datetimeFigureOut">
               <a:rPr lang="en-US" smtClean="0"/>
               <a:pPr/>
-              <a:t>9/4/2012</a:t>
+              <a:t>9/25/2012</a:t>
             </a:fld>
             <a:endParaRPr lang="en-US"/>
           </a:p>
@@ -4443,7 +4443,7 @@
             <a:fld id="{2978B3E9-F106-4B3B-AF9C-5D459394DC37}" type="datetimeFigureOut">
               <a:rPr lang="en-US" smtClean="0"/>
               <a:pPr/>
-              <a:t>9/4/2012</a:t>
+              <a:t>9/25/2012</a:t>
             </a:fld>
             <a:endParaRPr lang="en-US"/>
           </a:p>
@@ -4558,7 +4558,7 @@
             <a:fld id="{2978B3E9-F106-4B3B-AF9C-5D459394DC37}" type="datetimeFigureOut">
               <a:rPr lang="en-US" smtClean="0"/>
               <a:pPr/>
-              <a:t>9/4/2012</a:t>
+              <a:t>9/25/2012</a:t>
             </a:fld>
             <a:endParaRPr lang="en-US"/>
           </a:p>
@@ -4650,7 +4650,7 @@
             <a:fld id="{2978B3E9-F106-4B3B-AF9C-5D459394DC37}" type="datetimeFigureOut">
               <a:rPr lang="en-US" smtClean="0"/>
               <a:pPr/>
-              <a:t>9/4/2012</a:t>
+              <a:t>9/25/2012</a:t>
             </a:fld>
             <a:endParaRPr lang="en-US"/>
           </a:p>
@@ -4924,7 +4924,7 @@
             <a:fld id="{2978B3E9-F106-4B3B-AF9C-5D459394DC37}" type="datetimeFigureOut">
               <a:rPr lang="en-US" smtClean="0"/>
               <a:pPr/>
-              <a:t>9/4/2012</a:t>
+              <a:t>9/25/2012</a:t>
             </a:fld>
             <a:endParaRPr lang="en-US"/>
           </a:p>
@@ -5174,7 +5174,7 @@
             <a:fld id="{2978B3E9-F106-4B3B-AF9C-5D459394DC37}" type="datetimeFigureOut">
               <a:rPr lang="en-US" smtClean="0"/>
               <a:pPr/>
-              <a:t>9/4/2012</a:t>
+              <a:t>9/25/2012</a:t>
             </a:fld>
             <a:endParaRPr lang="en-US"/>
           </a:p>
@@ -5384,7 +5384,7 @@
             <a:fld id="{2978B3E9-F106-4B3B-AF9C-5D459394DC37}" type="datetimeFigureOut">
               <a:rPr lang="en-US" smtClean="0"/>
               <a:pPr/>
-              <a:t>9/4/2012</a:t>
+              <a:t>9/25/2012</a:t>
             </a:fld>
             <a:endParaRPr lang="en-US"/>
           </a:p>
@@ -28101,11 +28101,7 @@
             </a:r>
             <a:r>
               <a:rPr lang="en-US" smtClean="0"/>
-              <a:t>event </a:t>
-            </a:r>
-            <a:r>
-              <a:rPr lang="en-US" smtClean="0"/>
-              <a:t>(SPD speed </a:t>
+              <a:t>event (SPD speed </a:t>
             </a:r>
             <a:r>
               <a:rPr lang="en-US" dirty="0" smtClean="0"/>
@@ -28669,11 +28665,7 @@
             </a:r>
             <a:r>
               <a:rPr lang="en-US" smtClean="0"/>
-              <a:t>event </a:t>
-            </a:r>
-            <a:r>
-              <a:rPr lang="en-US" smtClean="0"/>
-              <a:t>(SPD speed </a:t>
+              <a:t>event (SPD speed </a:t>
             </a:r>
             <a:r>
               <a:rPr lang="en-US" dirty="0" smtClean="0"/>

--- a/Documentation/Design/ControllerDesign.pptx
+++ b/Documentation/Design/ControllerDesign.pptx
@@ -244,7 +244,7 @@
             <a:fld id="{E7514D72-1C5C-40A3-B326-328CE3CD8924}" type="datetimeFigureOut">
               <a:rPr lang="en-US" smtClean="0"/>
               <a:pPr/>
-              <a:t>3/17/2013</a:t>
+              <a:t>3/18/2013</a:t>
             </a:fld>
             <a:endParaRPr lang="en-US"/>
           </a:p>
@@ -2986,7 +2986,7 @@
             <a:fld id="{2978B3E9-F106-4B3B-AF9C-5D459394DC37}" type="datetimeFigureOut">
               <a:rPr lang="en-US" smtClean="0"/>
               <a:pPr/>
-              <a:t>3/17/2013</a:t>
+              <a:t>3/18/2013</a:t>
             </a:fld>
             <a:endParaRPr lang="en-US"/>
           </a:p>
@@ -3153,7 +3153,7 @@
             <a:fld id="{2978B3E9-F106-4B3B-AF9C-5D459394DC37}" type="datetimeFigureOut">
               <a:rPr lang="en-US" smtClean="0"/>
               <a:pPr/>
-              <a:t>3/17/2013</a:t>
+              <a:t>3/18/2013</a:t>
             </a:fld>
             <a:endParaRPr lang="en-US"/>
           </a:p>
@@ -3330,7 +3330,7 @@
             <a:fld id="{2978B3E9-F106-4B3B-AF9C-5D459394DC37}" type="datetimeFigureOut">
               <a:rPr lang="en-US" smtClean="0"/>
               <a:pPr/>
-              <a:t>3/17/2013</a:t>
+              <a:t>3/18/2013</a:t>
             </a:fld>
             <a:endParaRPr lang="en-US"/>
           </a:p>
@@ -3497,7 +3497,7 @@
             <a:fld id="{2978B3E9-F106-4B3B-AF9C-5D459394DC37}" type="datetimeFigureOut">
               <a:rPr lang="en-US" smtClean="0"/>
               <a:pPr/>
-              <a:t>3/17/2013</a:t>
+              <a:t>3/18/2013</a:t>
             </a:fld>
             <a:endParaRPr lang="en-US"/>
           </a:p>
@@ -3740,7 +3740,7 @@
             <a:fld id="{2978B3E9-F106-4B3B-AF9C-5D459394DC37}" type="datetimeFigureOut">
               <a:rPr lang="en-US" smtClean="0"/>
               <a:pPr/>
-              <a:t>3/17/2013</a:t>
+              <a:t>3/18/2013</a:t>
             </a:fld>
             <a:endParaRPr lang="en-US"/>
           </a:p>
@@ -4025,7 +4025,7 @@
             <a:fld id="{2978B3E9-F106-4B3B-AF9C-5D459394DC37}" type="datetimeFigureOut">
               <a:rPr lang="en-US" smtClean="0"/>
               <a:pPr/>
-              <a:t>3/17/2013</a:t>
+              <a:t>3/18/2013</a:t>
             </a:fld>
             <a:endParaRPr lang="en-US"/>
           </a:p>
@@ -4444,7 +4444,7 @@
             <a:fld id="{2978B3E9-F106-4B3B-AF9C-5D459394DC37}" type="datetimeFigureOut">
               <a:rPr lang="en-US" smtClean="0"/>
               <a:pPr/>
-              <a:t>3/17/2013</a:t>
+              <a:t>3/18/2013</a:t>
             </a:fld>
             <a:endParaRPr lang="en-US"/>
           </a:p>
@@ -4559,7 +4559,7 @@
             <a:fld id="{2978B3E9-F106-4B3B-AF9C-5D459394DC37}" type="datetimeFigureOut">
               <a:rPr lang="en-US" smtClean="0"/>
               <a:pPr/>
-              <a:t>3/17/2013</a:t>
+              <a:t>3/18/2013</a:t>
             </a:fld>
             <a:endParaRPr lang="en-US"/>
           </a:p>
@@ -4651,7 +4651,7 @@
             <a:fld id="{2978B3E9-F106-4B3B-AF9C-5D459394DC37}" type="datetimeFigureOut">
               <a:rPr lang="en-US" smtClean="0"/>
               <a:pPr/>
-              <a:t>3/17/2013</a:t>
+              <a:t>3/18/2013</a:t>
             </a:fld>
             <a:endParaRPr lang="en-US"/>
           </a:p>
@@ -4925,7 +4925,7 @@
             <a:fld id="{2978B3E9-F106-4B3B-AF9C-5D459394DC37}" type="datetimeFigureOut">
               <a:rPr lang="en-US" smtClean="0"/>
               <a:pPr/>
-              <a:t>3/17/2013</a:t>
+              <a:t>3/18/2013</a:t>
             </a:fld>
             <a:endParaRPr lang="en-US"/>
           </a:p>
@@ -5175,7 +5175,7 @@
             <a:fld id="{2978B3E9-F106-4B3B-AF9C-5D459394DC37}" type="datetimeFigureOut">
               <a:rPr lang="en-US" smtClean="0"/>
               <a:pPr/>
-              <a:t>3/17/2013</a:t>
+              <a:t>3/18/2013</a:t>
             </a:fld>
             <a:endParaRPr lang="en-US"/>
           </a:p>
@@ -5385,7 +5385,7 @@
             <a:fld id="{2978B3E9-F106-4B3B-AF9C-5D459394DC37}" type="datetimeFigureOut">
               <a:rPr lang="en-US" smtClean="0"/>
               <a:pPr/>
-              <a:t>3/17/2013</a:t>
+              <a:t>3/18/2013</a:t>
             </a:fld>
             <a:endParaRPr lang="en-US"/>
           </a:p>
@@ -30149,15 +30149,7 @@
                     <a:p>
                       <a:r>
                         <a:rPr lang="en-US" sz="1000" smtClean="0"/>
-                        <a:t>Sensor </a:t>
-                      </a:r>
-                      <a:r>
-                        <a:rPr lang="en-US" sz="1000" smtClean="0"/>
-                        <a:t>at next to back of train</a:t>
-                      </a:r>
-                      <a:r>
-                        <a:rPr lang="en-US" sz="1000" smtClean="0"/>
-                        <a:t>: opens</a:t>
+                        <a:t>Sensor at next to back of train: opens</a:t>
                       </a:r>
                       <a:endParaRPr lang="en-US" sz="1000"/>
                     </a:p>
@@ -33086,8 +33078,8 @@
         </p:nvSpPr>
         <p:spPr>
           <a:xfrm>
-            <a:off x="7499773" y="4163933"/>
-            <a:ext cx="712893" cy="255666"/>
+            <a:off x="7080308" y="4163932"/>
+            <a:ext cx="1266738" cy="575847"/>
           </a:xfrm>
           <a:prstGeom prst="roundRect">
             <a:avLst/>
@@ -33113,9 +33105,17 @@
           <a:p>
             <a:pPr algn="ctr"/>
             <a:r>
-              <a:rPr lang="en-US" sz="1100" dirty="0" smtClean="0"/>
+              <a:rPr lang="en-US" sz="1100" smtClean="0"/>
               <a:t>Error</a:t>
             </a:r>
+          </a:p>
+          <a:p>
+            <a:pPr algn="ctr"/>
+            <a:r>
+              <a:rPr lang="en-US" sz="1100" smtClean="0"/>
+              <a:t>enter/release reservation</a:t>
+            </a:r>
+            <a:endParaRPr lang="en-US" sz="1100" dirty="0" smtClean="0"/>
           </a:p>
         </p:txBody>
       </p:sp>
@@ -33128,9 +33128,9 @@
           <p:nvPr/>
         </p:nvCxnSpPr>
         <p:spPr>
-          <a:xfrm rot="5400000">
-            <a:off x="7324925" y="3606389"/>
-            <a:ext cx="1088840" cy="26249"/>
+          <a:xfrm flipH="1">
+            <a:off x="7713677" y="3075094"/>
+            <a:ext cx="168796" cy="1088838"/>
           </a:xfrm>
           <a:prstGeom prst="straightConnector1">
             <a:avLst/>
@@ -33164,8 +33164,8 @@
         </p:nvCxnSpPr>
         <p:spPr>
           <a:xfrm flipV="1">
-            <a:off x="6055360" y="4291766"/>
-            <a:ext cx="1444413" cy="1240355"/>
+            <a:off x="6055360" y="4451856"/>
+            <a:ext cx="1024948" cy="1080268"/>
           </a:xfrm>
           <a:prstGeom prst="straightConnector1">
             <a:avLst/>
@@ -33299,7 +33299,7 @@
         <p:spPr>
           <a:xfrm>
             <a:off x="2040467" y="3488253"/>
-            <a:ext cx="5459306" cy="803513"/>
+            <a:ext cx="5039841" cy="963603"/>
           </a:xfrm>
           <a:prstGeom prst="straightConnector1">
             <a:avLst/>
